--- a/ppt 16-9/1387.凡接待主的.pptx
+++ b/ppt 16-9/1387.凡接待主的.pptx
@@ -5,7 +5,7 @@
     <p:sldMasterId id="2147483648" r:id="rId1"/>
   </p:sldMasterIdLst>
   <p:sldIdLst>
-    <p:sldId id="957" r:id="rId2"/>
+    <p:sldId id="958" r:id="rId2"/>
   </p:sldIdLst>
   <p:sldSz cx="12192000" cy="6858000"/>
   <p:notesSz cx="6858000" cy="9144000"/>
@@ -129,7 +129,7 @@
           <p:cNvPr id="2" name="标题 1">
             <a:extLst>
               <a:ext uri="{FF2B5EF4-FFF2-40B4-BE49-F238E27FC236}">
-                <a16:creationId xmlns:a16="http://schemas.microsoft.com/office/drawing/2014/main" id="{34AEB080-98DB-DFCD-C29A-DAAE1FDB09E8}"/>
+                <a16:creationId xmlns:a16="http://schemas.microsoft.com/office/drawing/2014/main" id="{52143DAE-C2CE-F403-47D1-1A787577C979}"/>
               </a:ext>
             </a:extLst>
           </p:cNvPr>
@@ -166,7 +166,7 @@
           <p:cNvPr id="3" name="副标题 2">
             <a:extLst>
               <a:ext uri="{FF2B5EF4-FFF2-40B4-BE49-F238E27FC236}">
-                <a16:creationId xmlns:a16="http://schemas.microsoft.com/office/drawing/2014/main" id="{396BA8C5-4418-E4A9-5618-2ACEBBC45B8E}"/>
+                <a16:creationId xmlns:a16="http://schemas.microsoft.com/office/drawing/2014/main" id="{0E9E189B-DC1C-41AA-C445-78B7EFD6C2DF}"/>
               </a:ext>
             </a:extLst>
           </p:cNvPr>
@@ -236,7 +236,7 @@
           <p:cNvPr id="4" name="日期占位符 3">
             <a:extLst>
               <a:ext uri="{FF2B5EF4-FFF2-40B4-BE49-F238E27FC236}">
-                <a16:creationId xmlns:a16="http://schemas.microsoft.com/office/drawing/2014/main" id="{A6F1CFF1-33AB-AE98-F9AA-A8EBE1900769}"/>
+                <a16:creationId xmlns:a16="http://schemas.microsoft.com/office/drawing/2014/main" id="{015EDF8A-C769-5498-71C8-9EAEA0475B92}"/>
               </a:ext>
             </a:extLst>
           </p:cNvPr>
@@ -252,7 +252,7 @@
           <a:bodyPr/>
           <a:lstStyle/>
           <a:p>
-            <a:fld id="{07F6F198-3D1E-40F4-BBC9-95A63C1B9C42}" type="datetimeFigureOut">
+            <a:fld id="{1F23B169-322C-43A5-96B7-0C1C5B40EBDF}" type="datetimeFigureOut">
               <a:rPr lang="zh-CN" altLang="en-US" smtClean="0"/>
               <a:t>2024/3/10</a:t>
             </a:fld>
@@ -265,7 +265,7 @@
           <p:cNvPr id="5" name="页脚占位符 4">
             <a:extLst>
               <a:ext uri="{FF2B5EF4-FFF2-40B4-BE49-F238E27FC236}">
-                <a16:creationId xmlns:a16="http://schemas.microsoft.com/office/drawing/2014/main" id="{1D055342-6B80-BA84-4EA7-E4FF6086C09E}"/>
+                <a16:creationId xmlns:a16="http://schemas.microsoft.com/office/drawing/2014/main" id="{F386A389-FD9C-3AE3-9910-0A11BBFA63FD}"/>
               </a:ext>
             </a:extLst>
           </p:cNvPr>
@@ -290,7 +290,7 @@
           <p:cNvPr id="6" name="灯片编号占位符 5">
             <a:extLst>
               <a:ext uri="{FF2B5EF4-FFF2-40B4-BE49-F238E27FC236}">
-                <a16:creationId xmlns:a16="http://schemas.microsoft.com/office/drawing/2014/main" id="{5BE7276C-1A16-66A5-1980-76F93C70F779}"/>
+                <a16:creationId xmlns:a16="http://schemas.microsoft.com/office/drawing/2014/main" id="{BFF48061-889F-FCA6-D030-478B30348617}"/>
               </a:ext>
             </a:extLst>
           </p:cNvPr>
@@ -306,7 +306,7 @@
           <a:bodyPr/>
           <a:lstStyle/>
           <a:p>
-            <a:fld id="{F7375D8E-2C37-458A-A855-C2B0B1A98269}" type="slidenum">
+            <a:fld id="{A83B10AE-3E15-474C-B804-D12427198AC3}" type="slidenum">
               <a:rPr lang="zh-CN" altLang="en-US" smtClean="0"/>
               <a:t>‹#›</a:t>
             </a:fld>
@@ -317,7 +317,7 @@
     </p:spTree>
     <p:extLst>
       <p:ext uri="{BB962C8B-B14F-4D97-AF65-F5344CB8AC3E}">
-        <p14:creationId xmlns:p14="http://schemas.microsoft.com/office/powerpoint/2010/main" val="2742261072"/>
+        <p14:creationId xmlns:p14="http://schemas.microsoft.com/office/powerpoint/2010/main" val="543763614"/>
       </p:ext>
     </p:extLst>
   </p:cSld>
@@ -349,7 +349,7 @@
           <p:cNvPr id="2" name="标题 1">
             <a:extLst>
               <a:ext uri="{FF2B5EF4-FFF2-40B4-BE49-F238E27FC236}">
-                <a16:creationId xmlns:a16="http://schemas.microsoft.com/office/drawing/2014/main" id="{EBB72C56-2FAB-CC70-EB36-35CB8369B1C3}"/>
+                <a16:creationId xmlns:a16="http://schemas.microsoft.com/office/drawing/2014/main" id="{2F4A427E-1058-2161-755D-45CC95410B2B}"/>
               </a:ext>
             </a:extLst>
           </p:cNvPr>
@@ -377,7 +377,7 @@
           <p:cNvPr id="3" name="竖排文字占位符 2">
             <a:extLst>
               <a:ext uri="{FF2B5EF4-FFF2-40B4-BE49-F238E27FC236}">
-                <a16:creationId xmlns:a16="http://schemas.microsoft.com/office/drawing/2014/main" id="{D53FE640-D616-03CD-835B-2513EDD27B9A}"/>
+                <a16:creationId xmlns:a16="http://schemas.microsoft.com/office/drawing/2014/main" id="{1684D4CE-224A-4DAE-B699-797A39EF5D00}"/>
               </a:ext>
             </a:extLst>
           </p:cNvPr>
@@ -434,7 +434,7 @@
           <p:cNvPr id="4" name="日期占位符 3">
             <a:extLst>
               <a:ext uri="{FF2B5EF4-FFF2-40B4-BE49-F238E27FC236}">
-                <a16:creationId xmlns:a16="http://schemas.microsoft.com/office/drawing/2014/main" id="{B0B60DEE-781F-4B79-EBC5-9A925FA947A0}"/>
+                <a16:creationId xmlns:a16="http://schemas.microsoft.com/office/drawing/2014/main" id="{8EB70451-FB54-9CFD-8186-FE097A24F0A9}"/>
               </a:ext>
             </a:extLst>
           </p:cNvPr>
@@ -450,7 +450,7 @@
           <a:bodyPr/>
           <a:lstStyle/>
           <a:p>
-            <a:fld id="{07F6F198-3D1E-40F4-BBC9-95A63C1B9C42}" type="datetimeFigureOut">
+            <a:fld id="{1F23B169-322C-43A5-96B7-0C1C5B40EBDF}" type="datetimeFigureOut">
               <a:rPr lang="zh-CN" altLang="en-US" smtClean="0"/>
               <a:t>2024/3/10</a:t>
             </a:fld>
@@ -463,7 +463,7 @@
           <p:cNvPr id="5" name="页脚占位符 4">
             <a:extLst>
               <a:ext uri="{FF2B5EF4-FFF2-40B4-BE49-F238E27FC236}">
-                <a16:creationId xmlns:a16="http://schemas.microsoft.com/office/drawing/2014/main" id="{6B754CD4-5CCC-0E85-90B2-30D4FE2A14D5}"/>
+                <a16:creationId xmlns:a16="http://schemas.microsoft.com/office/drawing/2014/main" id="{E4ED23FF-4728-DCB2-04F0-160E2D3A5507}"/>
               </a:ext>
             </a:extLst>
           </p:cNvPr>
@@ -488,7 +488,7 @@
           <p:cNvPr id="6" name="灯片编号占位符 5">
             <a:extLst>
               <a:ext uri="{FF2B5EF4-FFF2-40B4-BE49-F238E27FC236}">
-                <a16:creationId xmlns:a16="http://schemas.microsoft.com/office/drawing/2014/main" id="{550CA9FF-4BA0-610F-571D-5FFE45487A56}"/>
+                <a16:creationId xmlns:a16="http://schemas.microsoft.com/office/drawing/2014/main" id="{CF6EC5BE-B581-A9F4-FE3C-576F73FE4D2D}"/>
               </a:ext>
             </a:extLst>
           </p:cNvPr>
@@ -504,7 +504,7 @@
           <a:bodyPr/>
           <a:lstStyle/>
           <a:p>
-            <a:fld id="{F7375D8E-2C37-458A-A855-C2B0B1A98269}" type="slidenum">
+            <a:fld id="{A83B10AE-3E15-474C-B804-D12427198AC3}" type="slidenum">
               <a:rPr lang="zh-CN" altLang="en-US" smtClean="0"/>
               <a:t>‹#›</a:t>
             </a:fld>
@@ -515,7 +515,7 @@
     </p:spTree>
     <p:extLst>
       <p:ext uri="{BB962C8B-B14F-4D97-AF65-F5344CB8AC3E}">
-        <p14:creationId xmlns:p14="http://schemas.microsoft.com/office/powerpoint/2010/main" val="585649158"/>
+        <p14:creationId xmlns:p14="http://schemas.microsoft.com/office/powerpoint/2010/main" val="1124593044"/>
       </p:ext>
     </p:extLst>
   </p:cSld>
@@ -547,7 +547,7 @@
           <p:cNvPr id="2" name="竖排标题 1">
             <a:extLst>
               <a:ext uri="{FF2B5EF4-FFF2-40B4-BE49-F238E27FC236}">
-                <a16:creationId xmlns:a16="http://schemas.microsoft.com/office/drawing/2014/main" id="{05AE9AB8-A7E4-6841-153B-6BB418F0AD4D}"/>
+                <a16:creationId xmlns:a16="http://schemas.microsoft.com/office/drawing/2014/main" id="{797011EE-F372-2DE4-D5E2-D256F752D1B2}"/>
               </a:ext>
             </a:extLst>
           </p:cNvPr>
@@ -580,7 +580,7 @@
           <p:cNvPr id="3" name="竖排文字占位符 2">
             <a:extLst>
               <a:ext uri="{FF2B5EF4-FFF2-40B4-BE49-F238E27FC236}">
-                <a16:creationId xmlns:a16="http://schemas.microsoft.com/office/drawing/2014/main" id="{93DB0336-2802-8C27-0429-2C7E45BA9EC0}"/>
+                <a16:creationId xmlns:a16="http://schemas.microsoft.com/office/drawing/2014/main" id="{4A6F1241-0AD9-2F3E-62CD-AC26E8312D29}"/>
               </a:ext>
             </a:extLst>
           </p:cNvPr>
@@ -642,7 +642,7 @@
           <p:cNvPr id="4" name="日期占位符 3">
             <a:extLst>
               <a:ext uri="{FF2B5EF4-FFF2-40B4-BE49-F238E27FC236}">
-                <a16:creationId xmlns:a16="http://schemas.microsoft.com/office/drawing/2014/main" id="{9F62D0CC-805B-0E5D-F1ED-5EB9466465D7}"/>
+                <a16:creationId xmlns:a16="http://schemas.microsoft.com/office/drawing/2014/main" id="{A5160ACD-9E13-5F6F-64E0-A1EFE0956C47}"/>
               </a:ext>
             </a:extLst>
           </p:cNvPr>
@@ -658,7 +658,7 @@
           <a:bodyPr/>
           <a:lstStyle/>
           <a:p>
-            <a:fld id="{07F6F198-3D1E-40F4-BBC9-95A63C1B9C42}" type="datetimeFigureOut">
+            <a:fld id="{1F23B169-322C-43A5-96B7-0C1C5B40EBDF}" type="datetimeFigureOut">
               <a:rPr lang="zh-CN" altLang="en-US" smtClean="0"/>
               <a:t>2024/3/10</a:t>
             </a:fld>
@@ -671,7 +671,7 @@
           <p:cNvPr id="5" name="页脚占位符 4">
             <a:extLst>
               <a:ext uri="{FF2B5EF4-FFF2-40B4-BE49-F238E27FC236}">
-                <a16:creationId xmlns:a16="http://schemas.microsoft.com/office/drawing/2014/main" id="{7184488F-E274-71D1-5549-722B175DF18B}"/>
+                <a16:creationId xmlns:a16="http://schemas.microsoft.com/office/drawing/2014/main" id="{34FF1BAE-8447-A7BF-5225-F95ABBCCDCC2}"/>
               </a:ext>
             </a:extLst>
           </p:cNvPr>
@@ -696,7 +696,7 @@
           <p:cNvPr id="6" name="灯片编号占位符 5">
             <a:extLst>
               <a:ext uri="{FF2B5EF4-FFF2-40B4-BE49-F238E27FC236}">
-                <a16:creationId xmlns:a16="http://schemas.microsoft.com/office/drawing/2014/main" id="{2B958039-859F-57CC-35FF-311B6A0087EA}"/>
+                <a16:creationId xmlns:a16="http://schemas.microsoft.com/office/drawing/2014/main" id="{5A373146-515A-47D4-B1A3-FAE29C1A5321}"/>
               </a:ext>
             </a:extLst>
           </p:cNvPr>
@@ -712,7 +712,7 @@
           <a:bodyPr/>
           <a:lstStyle/>
           <a:p>
-            <a:fld id="{F7375D8E-2C37-458A-A855-C2B0B1A98269}" type="slidenum">
+            <a:fld id="{A83B10AE-3E15-474C-B804-D12427198AC3}" type="slidenum">
               <a:rPr lang="zh-CN" altLang="en-US" smtClean="0"/>
               <a:t>‹#›</a:t>
             </a:fld>
@@ -723,7 +723,7 @@
     </p:spTree>
     <p:extLst>
       <p:ext uri="{BB962C8B-B14F-4D97-AF65-F5344CB8AC3E}">
-        <p14:creationId xmlns:p14="http://schemas.microsoft.com/office/powerpoint/2010/main" val="1598207378"/>
+        <p14:creationId xmlns:p14="http://schemas.microsoft.com/office/powerpoint/2010/main" val="3668851052"/>
       </p:ext>
     </p:extLst>
   </p:cSld>
@@ -755,7 +755,7 @@
           <p:cNvPr id="2" name="标题 1">
             <a:extLst>
               <a:ext uri="{FF2B5EF4-FFF2-40B4-BE49-F238E27FC236}">
-                <a16:creationId xmlns:a16="http://schemas.microsoft.com/office/drawing/2014/main" id="{2551FFFC-BB0B-9F63-3ECF-98F9143347F4}"/>
+                <a16:creationId xmlns:a16="http://schemas.microsoft.com/office/drawing/2014/main" id="{81EB2DE4-396B-C61E-29A3-092D11508122}"/>
               </a:ext>
             </a:extLst>
           </p:cNvPr>
@@ -783,7 +783,7 @@
           <p:cNvPr id="3" name="内容占位符 2">
             <a:extLst>
               <a:ext uri="{FF2B5EF4-FFF2-40B4-BE49-F238E27FC236}">
-                <a16:creationId xmlns:a16="http://schemas.microsoft.com/office/drawing/2014/main" id="{FB0AC814-5410-7F94-6E69-842DB34B3C0B}"/>
+                <a16:creationId xmlns:a16="http://schemas.microsoft.com/office/drawing/2014/main" id="{527E14CA-E345-BD7B-7B7A-D9928F456A20}"/>
               </a:ext>
             </a:extLst>
           </p:cNvPr>
@@ -840,7 +840,7 @@
           <p:cNvPr id="4" name="日期占位符 3">
             <a:extLst>
               <a:ext uri="{FF2B5EF4-FFF2-40B4-BE49-F238E27FC236}">
-                <a16:creationId xmlns:a16="http://schemas.microsoft.com/office/drawing/2014/main" id="{4EA3CD25-47B4-03C4-A5EA-BA8C857C35A0}"/>
+                <a16:creationId xmlns:a16="http://schemas.microsoft.com/office/drawing/2014/main" id="{8C52ADB0-9FF5-D0A3-0B17-3E7410344F6B}"/>
               </a:ext>
             </a:extLst>
           </p:cNvPr>
@@ -856,7 +856,7 @@
           <a:bodyPr/>
           <a:lstStyle/>
           <a:p>
-            <a:fld id="{07F6F198-3D1E-40F4-BBC9-95A63C1B9C42}" type="datetimeFigureOut">
+            <a:fld id="{1F23B169-322C-43A5-96B7-0C1C5B40EBDF}" type="datetimeFigureOut">
               <a:rPr lang="zh-CN" altLang="en-US" smtClean="0"/>
               <a:t>2024/3/10</a:t>
             </a:fld>
@@ -869,7 +869,7 @@
           <p:cNvPr id="5" name="页脚占位符 4">
             <a:extLst>
               <a:ext uri="{FF2B5EF4-FFF2-40B4-BE49-F238E27FC236}">
-                <a16:creationId xmlns:a16="http://schemas.microsoft.com/office/drawing/2014/main" id="{A2BC5EC9-0E61-2674-8F82-6FA8D8CAB1A8}"/>
+                <a16:creationId xmlns:a16="http://schemas.microsoft.com/office/drawing/2014/main" id="{7E30F3C6-D397-F23D-CEBE-899731642E62}"/>
               </a:ext>
             </a:extLst>
           </p:cNvPr>
@@ -894,7 +894,7 @@
           <p:cNvPr id="6" name="灯片编号占位符 5">
             <a:extLst>
               <a:ext uri="{FF2B5EF4-FFF2-40B4-BE49-F238E27FC236}">
-                <a16:creationId xmlns:a16="http://schemas.microsoft.com/office/drawing/2014/main" id="{C241E7B5-423D-D7BF-53DC-5541FECBE7D9}"/>
+                <a16:creationId xmlns:a16="http://schemas.microsoft.com/office/drawing/2014/main" id="{C47D1F90-E268-5925-5F89-CC84C8F4ABDB}"/>
               </a:ext>
             </a:extLst>
           </p:cNvPr>
@@ -910,7 +910,7 @@
           <a:bodyPr/>
           <a:lstStyle/>
           <a:p>
-            <a:fld id="{F7375D8E-2C37-458A-A855-C2B0B1A98269}" type="slidenum">
+            <a:fld id="{A83B10AE-3E15-474C-B804-D12427198AC3}" type="slidenum">
               <a:rPr lang="zh-CN" altLang="en-US" smtClean="0"/>
               <a:t>‹#›</a:t>
             </a:fld>
@@ -921,7 +921,7 @@
     </p:spTree>
     <p:extLst>
       <p:ext uri="{BB962C8B-B14F-4D97-AF65-F5344CB8AC3E}">
-        <p14:creationId xmlns:p14="http://schemas.microsoft.com/office/powerpoint/2010/main" val="927136452"/>
+        <p14:creationId xmlns:p14="http://schemas.microsoft.com/office/powerpoint/2010/main" val="676553598"/>
       </p:ext>
     </p:extLst>
   </p:cSld>
@@ -953,7 +953,7 @@
           <p:cNvPr id="2" name="标题 1">
             <a:extLst>
               <a:ext uri="{FF2B5EF4-FFF2-40B4-BE49-F238E27FC236}">
-                <a16:creationId xmlns:a16="http://schemas.microsoft.com/office/drawing/2014/main" id="{CC4469D8-0D33-14B1-FF4B-99B4AAF7432C}"/>
+                <a16:creationId xmlns:a16="http://schemas.microsoft.com/office/drawing/2014/main" id="{464E69A0-B71F-41AA-1D7C-7EC2C7DC412F}"/>
               </a:ext>
             </a:extLst>
           </p:cNvPr>
@@ -990,7 +990,7 @@
           <p:cNvPr id="3" name="文本占位符 2">
             <a:extLst>
               <a:ext uri="{FF2B5EF4-FFF2-40B4-BE49-F238E27FC236}">
-                <a16:creationId xmlns:a16="http://schemas.microsoft.com/office/drawing/2014/main" id="{1EE27619-A3F2-7834-0B84-53AE78AF1DDB}"/>
+                <a16:creationId xmlns:a16="http://schemas.microsoft.com/office/drawing/2014/main" id="{E9F7E2D7-D2F2-A9C3-40C8-09F5CFE7B1DF}"/>
               </a:ext>
             </a:extLst>
           </p:cNvPr>
@@ -1115,7 +1115,7 @@
           <p:cNvPr id="4" name="日期占位符 3">
             <a:extLst>
               <a:ext uri="{FF2B5EF4-FFF2-40B4-BE49-F238E27FC236}">
-                <a16:creationId xmlns:a16="http://schemas.microsoft.com/office/drawing/2014/main" id="{24B84C6D-B754-8FBD-F22B-FA5EECC7F57D}"/>
+                <a16:creationId xmlns:a16="http://schemas.microsoft.com/office/drawing/2014/main" id="{73DF7E58-CCA6-28F7-FFE0-A8DF20885F6D}"/>
               </a:ext>
             </a:extLst>
           </p:cNvPr>
@@ -1131,7 +1131,7 @@
           <a:bodyPr/>
           <a:lstStyle/>
           <a:p>
-            <a:fld id="{07F6F198-3D1E-40F4-BBC9-95A63C1B9C42}" type="datetimeFigureOut">
+            <a:fld id="{1F23B169-322C-43A5-96B7-0C1C5B40EBDF}" type="datetimeFigureOut">
               <a:rPr lang="zh-CN" altLang="en-US" smtClean="0"/>
               <a:t>2024/3/10</a:t>
             </a:fld>
@@ -1144,7 +1144,7 @@
           <p:cNvPr id="5" name="页脚占位符 4">
             <a:extLst>
               <a:ext uri="{FF2B5EF4-FFF2-40B4-BE49-F238E27FC236}">
-                <a16:creationId xmlns:a16="http://schemas.microsoft.com/office/drawing/2014/main" id="{86D5F7EC-03B1-EC0A-2202-22347A6C5DA4}"/>
+                <a16:creationId xmlns:a16="http://schemas.microsoft.com/office/drawing/2014/main" id="{BB86B0B4-6780-801F-8C8B-2107139C05BE}"/>
               </a:ext>
             </a:extLst>
           </p:cNvPr>
@@ -1169,7 +1169,7 @@
           <p:cNvPr id="6" name="灯片编号占位符 5">
             <a:extLst>
               <a:ext uri="{FF2B5EF4-FFF2-40B4-BE49-F238E27FC236}">
-                <a16:creationId xmlns:a16="http://schemas.microsoft.com/office/drawing/2014/main" id="{8EE1A44C-FD4B-1C9E-7B4C-CC72A8F865F3}"/>
+                <a16:creationId xmlns:a16="http://schemas.microsoft.com/office/drawing/2014/main" id="{548F40C2-8E02-0714-EC29-BD42B0786122}"/>
               </a:ext>
             </a:extLst>
           </p:cNvPr>
@@ -1185,7 +1185,7 @@
           <a:bodyPr/>
           <a:lstStyle/>
           <a:p>
-            <a:fld id="{F7375D8E-2C37-458A-A855-C2B0B1A98269}" type="slidenum">
+            <a:fld id="{A83B10AE-3E15-474C-B804-D12427198AC3}" type="slidenum">
               <a:rPr lang="zh-CN" altLang="en-US" smtClean="0"/>
               <a:t>‹#›</a:t>
             </a:fld>
@@ -1196,7 +1196,7 @@
     </p:spTree>
     <p:extLst>
       <p:ext uri="{BB962C8B-B14F-4D97-AF65-F5344CB8AC3E}">
-        <p14:creationId xmlns:p14="http://schemas.microsoft.com/office/powerpoint/2010/main" val="957146013"/>
+        <p14:creationId xmlns:p14="http://schemas.microsoft.com/office/powerpoint/2010/main" val="4103064683"/>
       </p:ext>
     </p:extLst>
   </p:cSld>
@@ -1228,7 +1228,7 @@
           <p:cNvPr id="2" name="标题 1">
             <a:extLst>
               <a:ext uri="{FF2B5EF4-FFF2-40B4-BE49-F238E27FC236}">
-                <a16:creationId xmlns:a16="http://schemas.microsoft.com/office/drawing/2014/main" id="{A27CEB11-E4A4-930B-5B5E-6ABB59619B42}"/>
+                <a16:creationId xmlns:a16="http://schemas.microsoft.com/office/drawing/2014/main" id="{E5538DF1-D6A4-D4D2-F452-8EE0C97575E7}"/>
               </a:ext>
             </a:extLst>
           </p:cNvPr>
@@ -1256,7 +1256,7 @@
           <p:cNvPr id="3" name="内容占位符 2">
             <a:extLst>
               <a:ext uri="{FF2B5EF4-FFF2-40B4-BE49-F238E27FC236}">
-                <a16:creationId xmlns:a16="http://schemas.microsoft.com/office/drawing/2014/main" id="{2176898D-F620-ADCF-13F6-7B49DA64F883}"/>
+                <a16:creationId xmlns:a16="http://schemas.microsoft.com/office/drawing/2014/main" id="{2031AE73-436C-9BEA-EBA0-CD482A7BED4F}"/>
               </a:ext>
             </a:extLst>
           </p:cNvPr>
@@ -1318,7 +1318,7 @@
           <p:cNvPr id="4" name="内容占位符 3">
             <a:extLst>
               <a:ext uri="{FF2B5EF4-FFF2-40B4-BE49-F238E27FC236}">
-                <a16:creationId xmlns:a16="http://schemas.microsoft.com/office/drawing/2014/main" id="{EF01A67D-E6DE-CAB9-06B1-EEDF1C9E7BED}"/>
+                <a16:creationId xmlns:a16="http://schemas.microsoft.com/office/drawing/2014/main" id="{87758CA1-4312-1D41-0996-61D67637FAAF}"/>
               </a:ext>
             </a:extLst>
           </p:cNvPr>
@@ -1380,7 +1380,7 @@
           <p:cNvPr id="5" name="日期占位符 4">
             <a:extLst>
               <a:ext uri="{FF2B5EF4-FFF2-40B4-BE49-F238E27FC236}">
-                <a16:creationId xmlns:a16="http://schemas.microsoft.com/office/drawing/2014/main" id="{2FDB9B90-1B7F-38D9-19E0-53679858C811}"/>
+                <a16:creationId xmlns:a16="http://schemas.microsoft.com/office/drawing/2014/main" id="{FF24A891-FB8B-B180-66F8-5CED43EEEBBA}"/>
               </a:ext>
             </a:extLst>
           </p:cNvPr>
@@ -1396,7 +1396,7 @@
           <a:bodyPr/>
           <a:lstStyle/>
           <a:p>
-            <a:fld id="{07F6F198-3D1E-40F4-BBC9-95A63C1B9C42}" type="datetimeFigureOut">
+            <a:fld id="{1F23B169-322C-43A5-96B7-0C1C5B40EBDF}" type="datetimeFigureOut">
               <a:rPr lang="zh-CN" altLang="en-US" smtClean="0"/>
               <a:t>2024/3/10</a:t>
             </a:fld>
@@ -1409,7 +1409,7 @@
           <p:cNvPr id="6" name="页脚占位符 5">
             <a:extLst>
               <a:ext uri="{FF2B5EF4-FFF2-40B4-BE49-F238E27FC236}">
-                <a16:creationId xmlns:a16="http://schemas.microsoft.com/office/drawing/2014/main" id="{1116AA8B-D931-522F-B312-4EDFF5163964}"/>
+                <a16:creationId xmlns:a16="http://schemas.microsoft.com/office/drawing/2014/main" id="{63F76BD8-355F-05E5-A924-7707474B74DE}"/>
               </a:ext>
             </a:extLst>
           </p:cNvPr>
@@ -1434,7 +1434,7 @@
           <p:cNvPr id="7" name="灯片编号占位符 6">
             <a:extLst>
               <a:ext uri="{FF2B5EF4-FFF2-40B4-BE49-F238E27FC236}">
-                <a16:creationId xmlns:a16="http://schemas.microsoft.com/office/drawing/2014/main" id="{AD9E5AB9-FEF2-ADC9-0F2F-261AE8FFD925}"/>
+                <a16:creationId xmlns:a16="http://schemas.microsoft.com/office/drawing/2014/main" id="{1F42AA73-E014-E48D-CEAC-B0ED4CAA9069}"/>
               </a:ext>
             </a:extLst>
           </p:cNvPr>
@@ -1450,7 +1450,7 @@
           <a:bodyPr/>
           <a:lstStyle/>
           <a:p>
-            <a:fld id="{F7375D8E-2C37-458A-A855-C2B0B1A98269}" type="slidenum">
+            <a:fld id="{A83B10AE-3E15-474C-B804-D12427198AC3}" type="slidenum">
               <a:rPr lang="zh-CN" altLang="en-US" smtClean="0"/>
               <a:t>‹#›</a:t>
             </a:fld>
@@ -1461,7 +1461,7 @@
     </p:spTree>
     <p:extLst>
       <p:ext uri="{BB962C8B-B14F-4D97-AF65-F5344CB8AC3E}">
-        <p14:creationId xmlns:p14="http://schemas.microsoft.com/office/powerpoint/2010/main" val="2117912543"/>
+        <p14:creationId xmlns:p14="http://schemas.microsoft.com/office/powerpoint/2010/main" val="2744451700"/>
       </p:ext>
     </p:extLst>
   </p:cSld>
@@ -1493,7 +1493,7 @@
           <p:cNvPr id="2" name="标题 1">
             <a:extLst>
               <a:ext uri="{FF2B5EF4-FFF2-40B4-BE49-F238E27FC236}">
-                <a16:creationId xmlns:a16="http://schemas.microsoft.com/office/drawing/2014/main" id="{31F2D58F-C269-2BA0-37BC-A53DAD8EE7F2}"/>
+                <a16:creationId xmlns:a16="http://schemas.microsoft.com/office/drawing/2014/main" id="{19634C20-F79F-45E4-58A7-49FF0F4B4FAE}"/>
               </a:ext>
             </a:extLst>
           </p:cNvPr>
@@ -1526,7 +1526,7 @@
           <p:cNvPr id="3" name="文本占位符 2">
             <a:extLst>
               <a:ext uri="{FF2B5EF4-FFF2-40B4-BE49-F238E27FC236}">
-                <a16:creationId xmlns:a16="http://schemas.microsoft.com/office/drawing/2014/main" id="{390A9EC4-CDC9-6E00-0941-48B35B9CF53C}"/>
+                <a16:creationId xmlns:a16="http://schemas.microsoft.com/office/drawing/2014/main" id="{6090E2A6-810F-606E-50DA-E361C077129B}"/>
               </a:ext>
             </a:extLst>
           </p:cNvPr>
@@ -1597,7 +1597,7 @@
           <p:cNvPr id="4" name="内容占位符 3">
             <a:extLst>
               <a:ext uri="{FF2B5EF4-FFF2-40B4-BE49-F238E27FC236}">
-                <a16:creationId xmlns:a16="http://schemas.microsoft.com/office/drawing/2014/main" id="{29F7E8C0-2F91-A2ED-F9A4-502D644FC947}"/>
+                <a16:creationId xmlns:a16="http://schemas.microsoft.com/office/drawing/2014/main" id="{F8A493C0-B5CA-3AFE-199C-CFD33E61657A}"/>
               </a:ext>
             </a:extLst>
           </p:cNvPr>
@@ -1659,7 +1659,7 @@
           <p:cNvPr id="5" name="文本占位符 4">
             <a:extLst>
               <a:ext uri="{FF2B5EF4-FFF2-40B4-BE49-F238E27FC236}">
-                <a16:creationId xmlns:a16="http://schemas.microsoft.com/office/drawing/2014/main" id="{51C10D2C-DEEA-4F38-0A77-7CD93EB7D9CD}"/>
+                <a16:creationId xmlns:a16="http://schemas.microsoft.com/office/drawing/2014/main" id="{ECEE4309-9088-20A6-07F3-8E34F6D45848}"/>
               </a:ext>
             </a:extLst>
           </p:cNvPr>
@@ -1730,7 +1730,7 @@
           <p:cNvPr id="6" name="内容占位符 5">
             <a:extLst>
               <a:ext uri="{FF2B5EF4-FFF2-40B4-BE49-F238E27FC236}">
-                <a16:creationId xmlns:a16="http://schemas.microsoft.com/office/drawing/2014/main" id="{771853C4-5F15-F4FB-0177-060DF7C57A7A}"/>
+                <a16:creationId xmlns:a16="http://schemas.microsoft.com/office/drawing/2014/main" id="{07CF2403-1859-976F-0B0A-F2E6CF2A87FD}"/>
               </a:ext>
             </a:extLst>
           </p:cNvPr>
@@ -1792,7 +1792,7 @@
           <p:cNvPr id="7" name="日期占位符 6">
             <a:extLst>
               <a:ext uri="{FF2B5EF4-FFF2-40B4-BE49-F238E27FC236}">
-                <a16:creationId xmlns:a16="http://schemas.microsoft.com/office/drawing/2014/main" id="{B8DECD2E-F06B-11E7-7850-2EC64B1453D5}"/>
+                <a16:creationId xmlns:a16="http://schemas.microsoft.com/office/drawing/2014/main" id="{C5FD99E4-73FA-557F-A94F-0AABC3B9D022}"/>
               </a:ext>
             </a:extLst>
           </p:cNvPr>
@@ -1808,7 +1808,7 @@
           <a:bodyPr/>
           <a:lstStyle/>
           <a:p>
-            <a:fld id="{07F6F198-3D1E-40F4-BBC9-95A63C1B9C42}" type="datetimeFigureOut">
+            <a:fld id="{1F23B169-322C-43A5-96B7-0C1C5B40EBDF}" type="datetimeFigureOut">
               <a:rPr lang="zh-CN" altLang="en-US" smtClean="0"/>
               <a:t>2024/3/10</a:t>
             </a:fld>
@@ -1821,7 +1821,7 @@
           <p:cNvPr id="8" name="页脚占位符 7">
             <a:extLst>
               <a:ext uri="{FF2B5EF4-FFF2-40B4-BE49-F238E27FC236}">
-                <a16:creationId xmlns:a16="http://schemas.microsoft.com/office/drawing/2014/main" id="{0D1A4A5E-B8C1-5168-25A5-1CB1DDC0D16F}"/>
+                <a16:creationId xmlns:a16="http://schemas.microsoft.com/office/drawing/2014/main" id="{369EA770-4400-5FFE-E419-8CF01B4CF955}"/>
               </a:ext>
             </a:extLst>
           </p:cNvPr>
@@ -1846,7 +1846,7 @@
           <p:cNvPr id="9" name="灯片编号占位符 8">
             <a:extLst>
               <a:ext uri="{FF2B5EF4-FFF2-40B4-BE49-F238E27FC236}">
-                <a16:creationId xmlns:a16="http://schemas.microsoft.com/office/drawing/2014/main" id="{E3661CCC-7FC9-B3D3-B717-1254BD1B82B1}"/>
+                <a16:creationId xmlns:a16="http://schemas.microsoft.com/office/drawing/2014/main" id="{C9E74093-F297-6720-854E-284A1CE870CC}"/>
               </a:ext>
             </a:extLst>
           </p:cNvPr>
@@ -1862,7 +1862,7 @@
           <a:bodyPr/>
           <a:lstStyle/>
           <a:p>
-            <a:fld id="{F7375D8E-2C37-458A-A855-C2B0B1A98269}" type="slidenum">
+            <a:fld id="{A83B10AE-3E15-474C-B804-D12427198AC3}" type="slidenum">
               <a:rPr lang="zh-CN" altLang="en-US" smtClean="0"/>
               <a:t>‹#›</a:t>
             </a:fld>
@@ -1873,7 +1873,7 @@
     </p:spTree>
     <p:extLst>
       <p:ext uri="{BB962C8B-B14F-4D97-AF65-F5344CB8AC3E}">
-        <p14:creationId xmlns:p14="http://schemas.microsoft.com/office/powerpoint/2010/main" val="3743605103"/>
+        <p14:creationId xmlns:p14="http://schemas.microsoft.com/office/powerpoint/2010/main" val="2042246071"/>
       </p:ext>
     </p:extLst>
   </p:cSld>
@@ -1905,7 +1905,7 @@
           <p:cNvPr id="2" name="标题 1">
             <a:extLst>
               <a:ext uri="{FF2B5EF4-FFF2-40B4-BE49-F238E27FC236}">
-                <a16:creationId xmlns:a16="http://schemas.microsoft.com/office/drawing/2014/main" id="{1C9BD20D-5E57-57B1-69D7-80D20DD97660}"/>
+                <a16:creationId xmlns:a16="http://schemas.microsoft.com/office/drawing/2014/main" id="{DA4DA90C-F7E3-F933-7AFE-AF8D0CCC2EC2}"/>
               </a:ext>
             </a:extLst>
           </p:cNvPr>
@@ -1933,7 +1933,7 @@
           <p:cNvPr id="3" name="日期占位符 2">
             <a:extLst>
               <a:ext uri="{FF2B5EF4-FFF2-40B4-BE49-F238E27FC236}">
-                <a16:creationId xmlns:a16="http://schemas.microsoft.com/office/drawing/2014/main" id="{632CE71C-F9C8-A16F-903A-FF326D19C90D}"/>
+                <a16:creationId xmlns:a16="http://schemas.microsoft.com/office/drawing/2014/main" id="{9D7F8A55-0D0A-1915-E978-D34E6A713FCE}"/>
               </a:ext>
             </a:extLst>
           </p:cNvPr>
@@ -1949,7 +1949,7 @@
           <a:bodyPr/>
           <a:lstStyle/>
           <a:p>
-            <a:fld id="{07F6F198-3D1E-40F4-BBC9-95A63C1B9C42}" type="datetimeFigureOut">
+            <a:fld id="{1F23B169-322C-43A5-96B7-0C1C5B40EBDF}" type="datetimeFigureOut">
               <a:rPr lang="zh-CN" altLang="en-US" smtClean="0"/>
               <a:t>2024/3/10</a:t>
             </a:fld>
@@ -1962,7 +1962,7 @@
           <p:cNvPr id="4" name="页脚占位符 3">
             <a:extLst>
               <a:ext uri="{FF2B5EF4-FFF2-40B4-BE49-F238E27FC236}">
-                <a16:creationId xmlns:a16="http://schemas.microsoft.com/office/drawing/2014/main" id="{05AFA81D-4553-DFA3-917A-FFBF296CB6C2}"/>
+                <a16:creationId xmlns:a16="http://schemas.microsoft.com/office/drawing/2014/main" id="{05B30761-33C0-5A41-CD6B-863DE72964AE}"/>
               </a:ext>
             </a:extLst>
           </p:cNvPr>
@@ -1987,7 +1987,7 @@
           <p:cNvPr id="5" name="灯片编号占位符 4">
             <a:extLst>
               <a:ext uri="{FF2B5EF4-FFF2-40B4-BE49-F238E27FC236}">
-                <a16:creationId xmlns:a16="http://schemas.microsoft.com/office/drawing/2014/main" id="{FB520EBA-0A39-D0AF-E809-756F814B7C0A}"/>
+                <a16:creationId xmlns:a16="http://schemas.microsoft.com/office/drawing/2014/main" id="{23A72E2E-C110-EF03-D4EC-BB67E9DE28A8}"/>
               </a:ext>
             </a:extLst>
           </p:cNvPr>
@@ -2003,7 +2003,7 @@
           <a:bodyPr/>
           <a:lstStyle/>
           <a:p>
-            <a:fld id="{F7375D8E-2C37-458A-A855-C2B0B1A98269}" type="slidenum">
+            <a:fld id="{A83B10AE-3E15-474C-B804-D12427198AC3}" type="slidenum">
               <a:rPr lang="zh-CN" altLang="en-US" smtClean="0"/>
               <a:t>‹#›</a:t>
             </a:fld>
@@ -2014,7 +2014,7 @@
     </p:spTree>
     <p:extLst>
       <p:ext uri="{BB962C8B-B14F-4D97-AF65-F5344CB8AC3E}">
-        <p14:creationId xmlns:p14="http://schemas.microsoft.com/office/powerpoint/2010/main" val="1062023351"/>
+        <p14:creationId xmlns:p14="http://schemas.microsoft.com/office/powerpoint/2010/main" val="2073534684"/>
       </p:ext>
     </p:extLst>
   </p:cSld>
@@ -2046,7 +2046,7 @@
           <p:cNvPr id="2" name="日期占位符 1">
             <a:extLst>
               <a:ext uri="{FF2B5EF4-FFF2-40B4-BE49-F238E27FC236}">
-                <a16:creationId xmlns:a16="http://schemas.microsoft.com/office/drawing/2014/main" id="{5D8597BC-0B86-8C25-D254-9EDF073DC44D}"/>
+                <a16:creationId xmlns:a16="http://schemas.microsoft.com/office/drawing/2014/main" id="{562C60AE-00E8-BC5A-A2E0-6D06CFEF4B7F}"/>
               </a:ext>
             </a:extLst>
           </p:cNvPr>
@@ -2062,7 +2062,7 @@
           <a:bodyPr/>
           <a:lstStyle/>
           <a:p>
-            <a:fld id="{07F6F198-3D1E-40F4-BBC9-95A63C1B9C42}" type="datetimeFigureOut">
+            <a:fld id="{1F23B169-322C-43A5-96B7-0C1C5B40EBDF}" type="datetimeFigureOut">
               <a:rPr lang="zh-CN" altLang="en-US" smtClean="0"/>
               <a:t>2024/3/10</a:t>
             </a:fld>
@@ -2075,7 +2075,7 @@
           <p:cNvPr id="3" name="页脚占位符 2">
             <a:extLst>
               <a:ext uri="{FF2B5EF4-FFF2-40B4-BE49-F238E27FC236}">
-                <a16:creationId xmlns:a16="http://schemas.microsoft.com/office/drawing/2014/main" id="{A4010A09-0D6E-8ECB-78E8-16DEC6D3BBE6}"/>
+                <a16:creationId xmlns:a16="http://schemas.microsoft.com/office/drawing/2014/main" id="{C93ECBAA-B6A7-6314-67A8-81C35A74AA43}"/>
               </a:ext>
             </a:extLst>
           </p:cNvPr>
@@ -2100,7 +2100,7 @@
           <p:cNvPr id="4" name="灯片编号占位符 3">
             <a:extLst>
               <a:ext uri="{FF2B5EF4-FFF2-40B4-BE49-F238E27FC236}">
-                <a16:creationId xmlns:a16="http://schemas.microsoft.com/office/drawing/2014/main" id="{E64C2178-EB8D-7161-992F-3A59C80A479D}"/>
+                <a16:creationId xmlns:a16="http://schemas.microsoft.com/office/drawing/2014/main" id="{8433D87C-2414-BBE7-BA6E-30C4C983935A}"/>
               </a:ext>
             </a:extLst>
           </p:cNvPr>
@@ -2116,7 +2116,7 @@
           <a:bodyPr/>
           <a:lstStyle/>
           <a:p>
-            <a:fld id="{F7375D8E-2C37-458A-A855-C2B0B1A98269}" type="slidenum">
+            <a:fld id="{A83B10AE-3E15-474C-B804-D12427198AC3}" type="slidenum">
               <a:rPr lang="zh-CN" altLang="en-US" smtClean="0"/>
               <a:t>‹#›</a:t>
             </a:fld>
@@ -2127,7 +2127,7 @@
     </p:spTree>
     <p:extLst>
       <p:ext uri="{BB962C8B-B14F-4D97-AF65-F5344CB8AC3E}">
-        <p14:creationId xmlns:p14="http://schemas.microsoft.com/office/powerpoint/2010/main" val="914628495"/>
+        <p14:creationId xmlns:p14="http://schemas.microsoft.com/office/powerpoint/2010/main" val="326043052"/>
       </p:ext>
     </p:extLst>
   </p:cSld>
@@ -2159,7 +2159,7 @@
           <p:cNvPr id="2" name="标题 1">
             <a:extLst>
               <a:ext uri="{FF2B5EF4-FFF2-40B4-BE49-F238E27FC236}">
-                <a16:creationId xmlns:a16="http://schemas.microsoft.com/office/drawing/2014/main" id="{D4BC2F43-20D3-18D1-5130-93116BCF3523}"/>
+                <a16:creationId xmlns:a16="http://schemas.microsoft.com/office/drawing/2014/main" id="{AE7CEE74-8451-46F4-61BA-F02328C170E0}"/>
               </a:ext>
             </a:extLst>
           </p:cNvPr>
@@ -2196,7 +2196,7 @@
           <p:cNvPr id="3" name="内容占位符 2">
             <a:extLst>
               <a:ext uri="{FF2B5EF4-FFF2-40B4-BE49-F238E27FC236}">
-                <a16:creationId xmlns:a16="http://schemas.microsoft.com/office/drawing/2014/main" id="{5DC6F202-0EB9-D274-27F8-534812EB4F95}"/>
+                <a16:creationId xmlns:a16="http://schemas.microsoft.com/office/drawing/2014/main" id="{3105742D-9046-ED7C-CC17-5914F3714335}"/>
               </a:ext>
             </a:extLst>
           </p:cNvPr>
@@ -2286,7 +2286,7 @@
           <p:cNvPr id="4" name="文本占位符 3">
             <a:extLst>
               <a:ext uri="{FF2B5EF4-FFF2-40B4-BE49-F238E27FC236}">
-                <a16:creationId xmlns:a16="http://schemas.microsoft.com/office/drawing/2014/main" id="{F087C858-0ED9-AEFD-B8F8-CE83127A1B72}"/>
+                <a16:creationId xmlns:a16="http://schemas.microsoft.com/office/drawing/2014/main" id="{2C428867-1946-CAA3-0D44-5D43A1E1565D}"/>
               </a:ext>
             </a:extLst>
           </p:cNvPr>
@@ -2357,7 +2357,7 @@
           <p:cNvPr id="5" name="日期占位符 4">
             <a:extLst>
               <a:ext uri="{FF2B5EF4-FFF2-40B4-BE49-F238E27FC236}">
-                <a16:creationId xmlns:a16="http://schemas.microsoft.com/office/drawing/2014/main" id="{FD20C69A-D770-2183-6035-83B0EA3441CD}"/>
+                <a16:creationId xmlns:a16="http://schemas.microsoft.com/office/drawing/2014/main" id="{E0357C4D-BC89-33F4-2657-05B367C48507}"/>
               </a:ext>
             </a:extLst>
           </p:cNvPr>
@@ -2373,7 +2373,7 @@
           <a:bodyPr/>
           <a:lstStyle/>
           <a:p>
-            <a:fld id="{07F6F198-3D1E-40F4-BBC9-95A63C1B9C42}" type="datetimeFigureOut">
+            <a:fld id="{1F23B169-322C-43A5-96B7-0C1C5B40EBDF}" type="datetimeFigureOut">
               <a:rPr lang="zh-CN" altLang="en-US" smtClean="0"/>
               <a:t>2024/3/10</a:t>
             </a:fld>
@@ -2386,7 +2386,7 @@
           <p:cNvPr id="6" name="页脚占位符 5">
             <a:extLst>
               <a:ext uri="{FF2B5EF4-FFF2-40B4-BE49-F238E27FC236}">
-                <a16:creationId xmlns:a16="http://schemas.microsoft.com/office/drawing/2014/main" id="{5F164DAF-716B-C91D-D194-E108D0E4B429}"/>
+                <a16:creationId xmlns:a16="http://schemas.microsoft.com/office/drawing/2014/main" id="{AB32803C-9CD8-E749-C0F9-1EB91EC5BC81}"/>
               </a:ext>
             </a:extLst>
           </p:cNvPr>
@@ -2411,7 +2411,7 @@
           <p:cNvPr id="7" name="灯片编号占位符 6">
             <a:extLst>
               <a:ext uri="{FF2B5EF4-FFF2-40B4-BE49-F238E27FC236}">
-                <a16:creationId xmlns:a16="http://schemas.microsoft.com/office/drawing/2014/main" id="{B2DFD2CB-A600-A747-AC31-3364F61715ED}"/>
+                <a16:creationId xmlns:a16="http://schemas.microsoft.com/office/drawing/2014/main" id="{7B86693A-EA58-2C02-C731-C1BAD7458D99}"/>
               </a:ext>
             </a:extLst>
           </p:cNvPr>
@@ -2427,7 +2427,7 @@
           <a:bodyPr/>
           <a:lstStyle/>
           <a:p>
-            <a:fld id="{F7375D8E-2C37-458A-A855-C2B0B1A98269}" type="slidenum">
+            <a:fld id="{A83B10AE-3E15-474C-B804-D12427198AC3}" type="slidenum">
               <a:rPr lang="zh-CN" altLang="en-US" smtClean="0"/>
               <a:t>‹#›</a:t>
             </a:fld>
@@ -2438,7 +2438,7 @@
     </p:spTree>
     <p:extLst>
       <p:ext uri="{BB962C8B-B14F-4D97-AF65-F5344CB8AC3E}">
-        <p14:creationId xmlns:p14="http://schemas.microsoft.com/office/powerpoint/2010/main" val="3673443919"/>
+        <p14:creationId xmlns:p14="http://schemas.microsoft.com/office/powerpoint/2010/main" val="4226455080"/>
       </p:ext>
     </p:extLst>
   </p:cSld>
@@ -2470,7 +2470,7 @@
           <p:cNvPr id="2" name="标题 1">
             <a:extLst>
               <a:ext uri="{FF2B5EF4-FFF2-40B4-BE49-F238E27FC236}">
-                <a16:creationId xmlns:a16="http://schemas.microsoft.com/office/drawing/2014/main" id="{6910E019-5B13-8CA4-492E-D0588E22F989}"/>
+                <a16:creationId xmlns:a16="http://schemas.microsoft.com/office/drawing/2014/main" id="{8A2C154F-5EA2-CD78-3E67-B38E97A6AA30}"/>
               </a:ext>
             </a:extLst>
           </p:cNvPr>
@@ -2507,7 +2507,7 @@
           <p:cNvPr id="3" name="图片占位符 2">
             <a:extLst>
               <a:ext uri="{FF2B5EF4-FFF2-40B4-BE49-F238E27FC236}">
-                <a16:creationId xmlns:a16="http://schemas.microsoft.com/office/drawing/2014/main" id="{EABAC151-08C5-3CFB-C553-D979CD5070BE}"/>
+                <a16:creationId xmlns:a16="http://schemas.microsoft.com/office/drawing/2014/main" id="{99A0911D-2ED9-8D4B-D80A-554FE8C8D605}"/>
               </a:ext>
             </a:extLst>
           </p:cNvPr>
@@ -2574,7 +2574,7 @@
           <p:cNvPr id="4" name="文本占位符 3">
             <a:extLst>
               <a:ext uri="{FF2B5EF4-FFF2-40B4-BE49-F238E27FC236}">
-                <a16:creationId xmlns:a16="http://schemas.microsoft.com/office/drawing/2014/main" id="{AA69DBF5-E71C-C1FE-B08C-CFBBAA3575E8}"/>
+                <a16:creationId xmlns:a16="http://schemas.microsoft.com/office/drawing/2014/main" id="{ED17E6A5-A9D5-BCED-00F5-CB1BCD8709A9}"/>
               </a:ext>
             </a:extLst>
           </p:cNvPr>
@@ -2645,7 +2645,7 @@
           <p:cNvPr id="5" name="日期占位符 4">
             <a:extLst>
               <a:ext uri="{FF2B5EF4-FFF2-40B4-BE49-F238E27FC236}">
-                <a16:creationId xmlns:a16="http://schemas.microsoft.com/office/drawing/2014/main" id="{17AA3095-A488-D400-7EC8-5BA5D480A7BC}"/>
+                <a16:creationId xmlns:a16="http://schemas.microsoft.com/office/drawing/2014/main" id="{B60E6B94-DA17-78A8-30E2-523086B83820}"/>
               </a:ext>
             </a:extLst>
           </p:cNvPr>
@@ -2661,7 +2661,7 @@
           <a:bodyPr/>
           <a:lstStyle/>
           <a:p>
-            <a:fld id="{07F6F198-3D1E-40F4-BBC9-95A63C1B9C42}" type="datetimeFigureOut">
+            <a:fld id="{1F23B169-322C-43A5-96B7-0C1C5B40EBDF}" type="datetimeFigureOut">
               <a:rPr lang="zh-CN" altLang="en-US" smtClean="0"/>
               <a:t>2024/3/10</a:t>
             </a:fld>
@@ -2674,7 +2674,7 @@
           <p:cNvPr id="6" name="页脚占位符 5">
             <a:extLst>
               <a:ext uri="{FF2B5EF4-FFF2-40B4-BE49-F238E27FC236}">
-                <a16:creationId xmlns:a16="http://schemas.microsoft.com/office/drawing/2014/main" id="{09F6A486-5801-C483-F876-690AFE4A3FA5}"/>
+                <a16:creationId xmlns:a16="http://schemas.microsoft.com/office/drawing/2014/main" id="{BB99A972-3A2F-48FF-40C8-EEC0D0275CEC}"/>
               </a:ext>
             </a:extLst>
           </p:cNvPr>
@@ -2699,7 +2699,7 @@
           <p:cNvPr id="7" name="灯片编号占位符 6">
             <a:extLst>
               <a:ext uri="{FF2B5EF4-FFF2-40B4-BE49-F238E27FC236}">
-                <a16:creationId xmlns:a16="http://schemas.microsoft.com/office/drawing/2014/main" id="{8B0C7767-7B80-651A-F85D-9EC64FD7E9A0}"/>
+                <a16:creationId xmlns:a16="http://schemas.microsoft.com/office/drawing/2014/main" id="{49635065-B867-49CB-4F6D-165A32BA4F70}"/>
               </a:ext>
             </a:extLst>
           </p:cNvPr>
@@ -2715,7 +2715,7 @@
           <a:bodyPr/>
           <a:lstStyle/>
           <a:p>
-            <a:fld id="{F7375D8E-2C37-458A-A855-C2B0B1A98269}" type="slidenum">
+            <a:fld id="{A83B10AE-3E15-474C-B804-D12427198AC3}" type="slidenum">
               <a:rPr lang="zh-CN" altLang="en-US" smtClean="0"/>
               <a:t>‹#›</a:t>
             </a:fld>
@@ -2726,7 +2726,7 @@
     </p:spTree>
     <p:extLst>
       <p:ext uri="{BB962C8B-B14F-4D97-AF65-F5344CB8AC3E}">
-        <p14:creationId xmlns:p14="http://schemas.microsoft.com/office/powerpoint/2010/main" val="1289003904"/>
+        <p14:creationId xmlns:p14="http://schemas.microsoft.com/office/powerpoint/2010/main" val="3131036859"/>
       </p:ext>
     </p:extLst>
   </p:cSld>
@@ -2763,7 +2763,7 @@
           <p:cNvPr id="2" name="标题占位符 1">
             <a:extLst>
               <a:ext uri="{FF2B5EF4-FFF2-40B4-BE49-F238E27FC236}">
-                <a16:creationId xmlns:a16="http://schemas.microsoft.com/office/drawing/2014/main" id="{C89215A6-6CCD-1F8F-E8D1-FE8ED203DCFF}"/>
+                <a16:creationId xmlns:a16="http://schemas.microsoft.com/office/drawing/2014/main" id="{EC21D68E-DCFD-46AF-F691-FD28CDD5C595}"/>
               </a:ext>
             </a:extLst>
           </p:cNvPr>
@@ -2801,7 +2801,7 @@
           <p:cNvPr id="3" name="文本占位符 2">
             <a:extLst>
               <a:ext uri="{FF2B5EF4-FFF2-40B4-BE49-F238E27FC236}">
-                <a16:creationId xmlns:a16="http://schemas.microsoft.com/office/drawing/2014/main" id="{10FECE62-B0A3-F638-D828-1DE6ACE3700F}"/>
+                <a16:creationId xmlns:a16="http://schemas.microsoft.com/office/drawing/2014/main" id="{B350F355-D829-3D95-2569-58603AE69A54}"/>
               </a:ext>
             </a:extLst>
           </p:cNvPr>
@@ -2868,7 +2868,7 @@
           <p:cNvPr id="4" name="日期占位符 3">
             <a:extLst>
               <a:ext uri="{FF2B5EF4-FFF2-40B4-BE49-F238E27FC236}">
-                <a16:creationId xmlns:a16="http://schemas.microsoft.com/office/drawing/2014/main" id="{030F5282-49EF-BF26-29EC-43ADBF2D9F49}"/>
+                <a16:creationId xmlns:a16="http://schemas.microsoft.com/office/drawing/2014/main" id="{8644E76C-1ED2-BCEA-04B0-7B3C260779BF}"/>
               </a:ext>
             </a:extLst>
           </p:cNvPr>
@@ -2902,7 +2902,7 @@
             </a:lvl1pPr>
           </a:lstStyle>
           <a:p>
-            <a:fld id="{07F6F198-3D1E-40F4-BBC9-95A63C1B9C42}" type="datetimeFigureOut">
+            <a:fld id="{1F23B169-322C-43A5-96B7-0C1C5B40EBDF}" type="datetimeFigureOut">
               <a:rPr lang="zh-CN" altLang="en-US" smtClean="0"/>
               <a:t>2024/3/10</a:t>
             </a:fld>
@@ -2915,7 +2915,7 @@
           <p:cNvPr id="5" name="页脚占位符 4">
             <a:extLst>
               <a:ext uri="{FF2B5EF4-FFF2-40B4-BE49-F238E27FC236}">
-                <a16:creationId xmlns:a16="http://schemas.microsoft.com/office/drawing/2014/main" id="{F447C160-E3FB-1C44-502E-AD69B4D27479}"/>
+                <a16:creationId xmlns:a16="http://schemas.microsoft.com/office/drawing/2014/main" id="{587A497D-ACAB-232E-72E6-BA2AD9463708}"/>
               </a:ext>
             </a:extLst>
           </p:cNvPr>
@@ -2958,7 +2958,7 @@
           <p:cNvPr id="6" name="灯片编号占位符 5">
             <a:extLst>
               <a:ext uri="{FF2B5EF4-FFF2-40B4-BE49-F238E27FC236}">
-                <a16:creationId xmlns:a16="http://schemas.microsoft.com/office/drawing/2014/main" id="{3AB6600C-4AB3-13C3-1534-0A92C2D2636B}"/>
+                <a16:creationId xmlns:a16="http://schemas.microsoft.com/office/drawing/2014/main" id="{478FAA6E-61F3-2D91-1149-1829509C6424}"/>
               </a:ext>
             </a:extLst>
           </p:cNvPr>
@@ -2992,7 +2992,7 @@
             </a:lvl1pPr>
           </a:lstStyle>
           <a:p>
-            <a:fld id="{F7375D8E-2C37-458A-A855-C2B0B1A98269}" type="slidenum">
+            <a:fld id="{A83B10AE-3E15-474C-B804-D12427198AC3}" type="slidenum">
               <a:rPr lang="zh-CN" altLang="en-US" smtClean="0"/>
               <a:t>‹#›</a:t>
             </a:fld>
@@ -3003,7 +3003,7 @@
     </p:spTree>
     <p:extLst>
       <p:ext uri="{BB962C8B-B14F-4D97-AF65-F5344CB8AC3E}">
-        <p14:creationId xmlns:p14="http://schemas.microsoft.com/office/powerpoint/2010/main" val="32036760"/>
+        <p14:creationId xmlns:p14="http://schemas.microsoft.com/office/powerpoint/2010/main" val="3813478175"/>
       </p:ext>
     </p:extLst>
   </p:cSld>
@@ -3323,7 +3323,7 @@
       </p:grpSpPr>
       <p:pic>
         <p:nvPicPr>
-          <p:cNvPr id="1420290" name="Picture 2" descr="1386"/>
+          <p:cNvPr id="1421314" name="Picture 2" descr="1387"/>
           <p:cNvPicPr>
             <a:picLocks noChangeAspect="1" noChangeArrowheads="1"/>
           </p:cNvPicPr>
@@ -3345,7 +3345,7 @@
         <p:spPr bwMode="auto">
           <a:xfrm>
             <a:off x="1524000" y="1"/>
-            <a:ext cx="9144000" cy="4652963"/>
+            <a:ext cx="9144000" cy="6524625"/>
           </a:xfrm>
           <a:prstGeom prst="rect">
             <a:avLst/>
